--- a/Template_introduction.pptx
+++ b/Template_introduction.pptx
@@ -6,16 +6,19 @@
   </p:sldMasterIdLst>
   <p:sldIdLst>
     <p:sldId id="256" r:id="rId2"/>
-    <p:sldId id="257" r:id="rId3"/>
-    <p:sldId id="258" r:id="rId4"/>
-    <p:sldId id="260" r:id="rId5"/>
-    <p:sldId id="259" r:id="rId6"/>
-    <p:sldId id="262" r:id="rId7"/>
-    <p:sldId id="261" r:id="rId8"/>
-    <p:sldId id="265" r:id="rId9"/>
-    <p:sldId id="263" r:id="rId10"/>
-    <p:sldId id="264" r:id="rId11"/>
-    <p:sldId id="266" r:id="rId12"/>
+    <p:sldId id="268" r:id="rId3"/>
+    <p:sldId id="269" r:id="rId4"/>
+    <p:sldId id="257" r:id="rId5"/>
+    <p:sldId id="258" r:id="rId6"/>
+    <p:sldId id="260" r:id="rId7"/>
+    <p:sldId id="259" r:id="rId8"/>
+    <p:sldId id="262" r:id="rId9"/>
+    <p:sldId id="261" r:id="rId10"/>
+    <p:sldId id="265" r:id="rId11"/>
+    <p:sldId id="263" r:id="rId12"/>
+    <p:sldId id="264" r:id="rId13"/>
+    <p:sldId id="267" r:id="rId14"/>
+    <p:sldId id="266" r:id="rId15"/>
   </p:sldIdLst>
   <p:sldSz cx="12192000" cy="6858000"/>
   <p:notesSz cx="6858000" cy="9144000"/>
@@ -114,6 +117,11 @@
       </a:defRPr>
     </a:lvl9pPr>
   </p:defaultTextStyle>
+  <p:extLst>
+    <p:ext uri="{EFAFB233-063F-42B5-8137-9DF3F51BA10A}">
+      <p15:sldGuideLst xmlns:p15="http://schemas.microsoft.com/office/powerpoint/2012/main"/>
+    </p:ext>
+  </p:extLst>
 </p:presentation>
 </file>
 
@@ -6748,7 +6756,7 @@
             <a:fld id="{87DE6118-2437-4B30-8E3C-4D2BE6020583}" type="datetimeFigureOut">
               <a:rPr lang="en-US" smtClean="0"/>
               <a:pPr/>
-              <a:t>3/10/24</a:t>
+              <a:t>3/11/24</a:t>
             </a:fld>
             <a:endParaRPr lang="en-US" dirty="0"/>
           </a:p>
@@ -7041,7 +7049,7 @@
             <a:fld id="{87DE6118-2437-4B30-8E3C-4D2BE6020583}" type="datetimeFigureOut">
               <a:rPr lang="en-US" smtClean="0"/>
               <a:pPr/>
-              <a:t>3/10/24</a:t>
+              <a:t>3/11/24</a:t>
             </a:fld>
             <a:endParaRPr lang="en-US" dirty="0"/>
           </a:p>
@@ -7302,7 +7310,7 @@
             <a:fld id="{87DE6118-2437-4B30-8E3C-4D2BE6020583}" type="datetimeFigureOut">
               <a:rPr lang="en-US" smtClean="0"/>
               <a:pPr/>
-              <a:t>3/10/24</a:t>
+              <a:t>3/11/24</a:t>
             </a:fld>
             <a:endParaRPr lang="en-US" dirty="0"/>
           </a:p>
@@ -7773,7 +7781,7 @@
             <a:fld id="{87DE6118-2437-4B30-8E3C-4D2BE6020583}" type="datetimeFigureOut">
               <a:rPr lang="en-US" smtClean="0"/>
               <a:pPr/>
-              <a:t>3/10/24</a:t>
+              <a:t>3/11/24</a:t>
             </a:fld>
             <a:endParaRPr lang="en-US" dirty="0"/>
           </a:p>
@@ -7955,7 +7963,7 @@
             <a:fld id="{87DE6118-2437-4B30-8E3C-4D2BE6020583}" type="datetimeFigureOut">
               <a:rPr lang="en-US" smtClean="0"/>
               <a:pPr/>
-              <a:t>3/10/24</a:t>
+              <a:t>3/11/24</a:t>
             </a:fld>
             <a:endParaRPr lang="en-US" dirty="0"/>
           </a:p>
@@ -8533,7 +8541,7 @@
             <a:fld id="{87DE6118-2437-4B30-8E3C-4D2BE6020583}" type="datetimeFigureOut">
               <a:rPr lang="en-US" smtClean="0"/>
               <a:pPr/>
-              <a:t>3/10/24</a:t>
+              <a:t>3/11/24</a:t>
             </a:fld>
             <a:endParaRPr lang="en-US" dirty="0"/>
           </a:p>
@@ -8867,7 +8875,7 @@
             <a:fld id="{87DE6118-2437-4B30-8E3C-4D2BE6020583}" type="datetimeFigureOut">
               <a:rPr lang="en-US" smtClean="0"/>
               <a:pPr/>
-              <a:t>3/10/24</a:t>
+              <a:t>3/11/24</a:t>
             </a:fld>
             <a:endParaRPr lang="en-US" dirty="0"/>
           </a:p>
@@ -9043,7 +9051,7 @@
           <a:p>
             <a:fld id="{87DE6118-2437-4B30-8E3C-4D2BE6020583}" type="datetimeFigureOut">
               <a:rPr lang="en-US" smtClean="0"/>
-              <a:t>3/10/24</a:t>
+              <a:t>3/11/24</a:t>
             </a:fld>
             <a:endParaRPr lang="en-US" dirty="0"/>
           </a:p>
@@ -9223,7 +9231,7 @@
           <a:p>
             <a:fld id="{87DE6118-2437-4B30-8E3C-4D2BE6020583}" type="datetimeFigureOut">
               <a:rPr lang="en-US" smtClean="0"/>
-              <a:t>3/10/24</a:t>
+              <a:t>3/11/24</a:t>
             </a:fld>
             <a:endParaRPr lang="en-US" dirty="0"/>
           </a:p>
@@ -9393,7 +9401,7 @@
           <a:p>
             <a:fld id="{87DE6118-2437-4B30-8E3C-4D2BE6020583}" type="datetimeFigureOut">
               <a:rPr lang="en-US" smtClean="0"/>
-              <a:t>3/10/24</a:t>
+              <a:t>3/11/24</a:t>
             </a:fld>
             <a:endParaRPr lang="en-US" dirty="0"/>
           </a:p>
@@ -9651,7 +9659,7 @@
             <a:fld id="{87DE6118-2437-4B30-8E3C-4D2BE6020583}" type="datetimeFigureOut">
               <a:rPr lang="en-US" smtClean="0"/>
               <a:pPr/>
-              <a:t>3/10/24</a:t>
+              <a:t>3/11/24</a:t>
             </a:fld>
             <a:endParaRPr lang="en-US" dirty="0"/>
           </a:p>
@@ -9944,7 +9952,7 @@
           <a:p>
             <a:fld id="{87DE6118-2437-4B30-8E3C-4D2BE6020583}" type="datetimeFigureOut">
               <a:rPr lang="en-US" smtClean="0"/>
-              <a:t>3/10/24</a:t>
+              <a:t>3/11/24</a:t>
             </a:fld>
             <a:endParaRPr lang="en-US" dirty="0"/>
           </a:p>
@@ -10374,7 +10382,7 @@
           <a:p>
             <a:fld id="{87DE6118-2437-4B30-8E3C-4D2BE6020583}" type="datetimeFigureOut">
               <a:rPr lang="en-US" smtClean="0"/>
-              <a:t>3/10/24</a:t>
+              <a:t>3/11/24</a:t>
             </a:fld>
             <a:endParaRPr lang="en-US" dirty="0"/>
           </a:p>
@@ -10492,7 +10500,7 @@
           <a:p>
             <a:fld id="{87DE6118-2437-4B30-8E3C-4D2BE6020583}" type="datetimeFigureOut">
               <a:rPr lang="en-US" smtClean="0"/>
-              <a:t>3/10/24</a:t>
+              <a:t>3/11/24</a:t>
             </a:fld>
             <a:endParaRPr lang="en-US" dirty="0"/>
           </a:p>
@@ -10587,7 +10595,7 @@
           <a:p>
             <a:fld id="{87DE6118-2437-4B30-8E3C-4D2BE6020583}" type="datetimeFigureOut">
               <a:rPr lang="en-US" smtClean="0"/>
-              <a:t>3/10/24</a:t>
+              <a:t>3/11/24</a:t>
             </a:fld>
             <a:endParaRPr lang="en-US" dirty="0"/>
           </a:p>
@@ -10871,7 +10879,7 @@
             <a:fld id="{87DE6118-2437-4B30-8E3C-4D2BE6020583}" type="datetimeFigureOut">
               <a:rPr lang="en-US" smtClean="0"/>
               <a:pPr/>
-              <a:t>3/10/24</a:t>
+              <a:t>3/11/24</a:t>
             </a:fld>
             <a:endParaRPr lang="en-US" dirty="0"/>
           </a:p>
@@ -11164,7 +11172,7 @@
             <a:fld id="{87DE6118-2437-4B30-8E3C-4D2BE6020583}" type="datetimeFigureOut">
               <a:rPr lang="en-US" smtClean="0"/>
               <a:pPr/>
-              <a:t>3/10/24</a:t>
+              <a:t>3/11/24</a:t>
             </a:fld>
             <a:endParaRPr lang="en-US" dirty="0"/>
           </a:p>
@@ -11397,7 +11405,7 @@
             <a:fld id="{87DE6118-2437-4B30-8E3C-4D2BE6020583}" type="datetimeFigureOut">
               <a:rPr lang="en-US" smtClean="0"/>
               <a:pPr/>
-              <a:t>3/10/24</a:t>
+              <a:t>3/11/24</a:t>
             </a:fld>
             <a:endParaRPr lang="en-US" dirty="0"/>
           </a:p>
@@ -12929,6 +12937,556 @@
           <a:chExt cx="0" cy="0"/>
         </a:xfrm>
       </p:grpSpPr>
+      <p:pic>
+        <p:nvPicPr>
+          <p:cNvPr id="5" name="Picture 4" descr="Small, medium, and large light bulbs on top of boxes">
+            <a:extLst>
+              <a:ext uri="{FF2B5EF4-FFF2-40B4-BE49-F238E27FC236}">
+                <a16:creationId xmlns:a16="http://schemas.microsoft.com/office/drawing/2014/main" id="{7787AE0E-B55C-29C2-C76B-E08F5F0280D7}"/>
+              </a:ext>
+            </a:extLst>
+          </p:cNvPr>
+          <p:cNvPicPr>
+            <a:picLocks noChangeAspect="1"/>
+          </p:cNvPicPr>
+          <p:nvPr/>
+        </p:nvPicPr>
+        <p:blipFill rotWithShape="1">
+          <a:blip r:embed="rId3"/>
+          <a:srcRect l="28666" r="37594"/>
+          <a:stretch/>
+        </p:blipFill>
+        <p:spPr>
+          <a:xfrm>
+            <a:off x="257590" y="10"/>
+            <a:ext cx="3479523" cy="6857990"/>
+          </a:xfrm>
+          <a:prstGeom prst="rect">
+            <a:avLst/>
+          </a:prstGeom>
+          <a:ln w="38100">
+            <a:gradFill flip="none" rotWithShape="1">
+              <a:gsLst>
+                <a:gs pos="0">
+                  <a:schemeClr val="bg2"/>
+                </a:gs>
+                <a:gs pos="100000">
+                  <a:schemeClr val="bg2">
+                    <a:lumMod val="75000"/>
+                  </a:schemeClr>
+                </a:gs>
+              </a:gsLst>
+              <a:lin ang="5400000" scaled="0"/>
+              <a:tileRect/>
+            </a:gradFill>
+          </a:ln>
+          <a:effectLst>
+            <a:innerShdw blurRad="57150" dist="38100" dir="10800000">
+              <a:srgbClr val="000000">
+                <a:alpha val="70000"/>
+              </a:srgbClr>
+            </a:innerShdw>
+          </a:effectLst>
+        </p:spPr>
+      </p:pic>
+      <p:sp>
+        <p:nvSpPr>
+          <p:cNvPr id="3" name="Content Placeholder 2">
+            <a:extLst>
+              <a:ext uri="{FF2B5EF4-FFF2-40B4-BE49-F238E27FC236}">
+                <a16:creationId xmlns:a16="http://schemas.microsoft.com/office/drawing/2014/main" id="{3FB8DA0D-4471-5CBE-32D0-BDC2C03B6E7A}"/>
+              </a:ext>
+            </a:extLst>
+          </p:cNvPr>
+          <p:cNvSpPr>
+            <a:spLocks noGrp="1"/>
+          </p:cNvSpPr>
+          <p:nvPr>
+            <p:ph idx="1"/>
+          </p:nvPr>
+        </p:nvSpPr>
+        <p:spPr>
+          <a:xfrm>
+            <a:off x="4303643" y="2666999"/>
+            <a:ext cx="7046844" cy="3415749"/>
+          </a:xfrm>
+        </p:spPr>
+        <p:txBody>
+          <a:bodyPr>
+            <a:normAutofit/>
+          </a:bodyPr>
+          <a:lstStyle/>
+          <a:p>
+            <a:pPr marL="0" indent="0">
+              <a:buNone/>
+            </a:pPr>
+            <a:r>
+              <a:rPr lang="en-GB" sz="2800" dirty="0"/>
+              <a:t>Depending on your ideas we can add more triggers and interactions.</a:t>
+            </a:r>
+          </a:p>
+        </p:txBody>
+      </p:sp>
+    </p:spTree>
+    <p:extLst>
+      <p:ext uri="{BB962C8B-B14F-4D97-AF65-F5344CB8AC3E}">
+        <p14:creationId xmlns:p14="http://schemas.microsoft.com/office/powerpoint/2010/main" val="3434716482"/>
+      </p:ext>
+    </p:extLst>
+  </p:cSld>
+  <p:clrMapOvr>
+    <a:masterClrMapping/>
+  </p:clrMapOvr>
+</p:sld>
+</file>
+
+<file path=ppt/slides/slide11.xml><?xml version="1.0" encoding="utf-8"?>
+<p:sld xmlns:a="http://schemas.openxmlformats.org/drawingml/2006/main" xmlns:r="http://schemas.openxmlformats.org/officeDocument/2006/relationships" xmlns:p="http://schemas.openxmlformats.org/presentationml/2006/main">
+  <p:cSld>
+    <p:bg>
+      <p:bgPr>
+        <a:blipFill rotWithShape="1">
+          <a:blip r:embed="rId2">
+            <a:duotone>
+              <a:schemeClr val="bg2">
+                <a:shade val="28000"/>
+                <a:satMod val="94000"/>
+                <a:lumMod val="20000"/>
+              </a:schemeClr>
+              <a:schemeClr val="bg2">
+                <a:tint val="94000"/>
+                <a:shade val="84000"/>
+                <a:satMod val="148000"/>
+                <a:lumMod val="114000"/>
+              </a:schemeClr>
+            </a:duotone>
+          </a:blip>
+          <a:stretch/>
+        </a:blipFill>
+        <a:effectLst/>
+      </p:bgPr>
+    </p:bg>
+    <p:spTree>
+      <p:nvGrpSpPr>
+        <p:cNvPr id="1" name=""/>
+        <p:cNvGrpSpPr/>
+        <p:nvPr/>
+      </p:nvGrpSpPr>
+      <p:grpSpPr>
+        <a:xfrm>
+          <a:off x="0" y="0"/>
+          <a:ext cx="0" cy="0"/>
+          <a:chOff x="0" y="0"/>
+          <a:chExt cx="0" cy="0"/>
+        </a:xfrm>
+      </p:grpSpPr>
+      <p:sp>
+        <p:nvSpPr>
+          <p:cNvPr id="2" name="Title 1">
+            <a:extLst>
+              <a:ext uri="{FF2B5EF4-FFF2-40B4-BE49-F238E27FC236}">
+                <a16:creationId xmlns:a16="http://schemas.microsoft.com/office/drawing/2014/main" id="{74E4AC20-80E5-6CD2-ADCE-EDF46093B469}"/>
+              </a:ext>
+            </a:extLst>
+          </p:cNvPr>
+          <p:cNvSpPr>
+            <a:spLocks noGrp="1"/>
+          </p:cNvSpPr>
+          <p:nvPr>
+            <p:ph type="title"/>
+          </p:nvPr>
+        </p:nvSpPr>
+        <p:spPr>
+          <a:xfrm>
+            <a:off x="974179" y="714375"/>
+            <a:ext cx="3332955" cy="5076826"/>
+          </a:xfrm>
+        </p:spPr>
+        <p:txBody>
+          <a:bodyPr anchor="ctr">
+            <a:normAutofit/>
+          </a:bodyPr>
+          <a:lstStyle/>
+          <a:p>
+            <a:r>
+              <a:rPr lang="en-GB" sz="4000" dirty="0"/>
+              <a:t>Zig sim I</a:t>
+            </a:r>
+          </a:p>
+        </p:txBody>
+      </p:sp>
+      <p:sp>
+        <p:nvSpPr>
+          <p:cNvPr id="8" name="Rectangle 7">
+            <a:extLst>
+              <a:ext uri="{FF2B5EF4-FFF2-40B4-BE49-F238E27FC236}">
+                <a16:creationId xmlns:a16="http://schemas.microsoft.com/office/drawing/2014/main" id="{375136A9-49F9-4DA0-A741-F065B0FA091D}"/>
+              </a:ext>
+              <a:ext uri="{C183D7F6-B498-43B3-948B-1728B52AA6E4}">
+                <adec:decorative xmlns:adec="http://schemas.microsoft.com/office/drawing/2017/decorative" val="1"/>
+              </a:ext>
+            </a:extLst>
+          </p:cNvPr>
+          <p:cNvSpPr>
+            <a:spLocks noGrp="1" noRot="1" noChangeAspect="1" noMove="1" noResize="1" noEditPoints="1" noAdjustHandles="1" noChangeArrowheads="1" noChangeShapeType="1" noTextEdit="1"/>
+          </p:cNvSpPr>
+          <p:nvPr>
+            <p:extLst>
+              <p:ext uri="{386F3935-93C4-4BCD-93E2-E3B085C9AB24}">
+                <p16:designElem xmlns:p16="http://schemas.microsoft.com/office/powerpoint/2015/main" val="1"/>
+              </p:ext>
+            </p:extLst>
+          </p:nvPr>
+        </p:nvSpPr>
+        <p:spPr>
+          <a:xfrm>
+            <a:off x="4633356" y="0"/>
+            <a:ext cx="7558643" cy="6858000"/>
+          </a:xfrm>
+          <a:prstGeom prst="rect">
+            <a:avLst/>
+          </a:prstGeom>
+          <a:solidFill>
+            <a:schemeClr val="bg2"/>
+          </a:solidFill>
+          <a:ln>
+            <a:noFill/>
+          </a:ln>
+          <a:effectLst>
+            <a:innerShdw blurRad="63500" dist="50800" dir="10800000">
+              <a:prstClr val="black">
+                <a:alpha val="50000"/>
+              </a:prstClr>
+            </a:innerShdw>
+          </a:effectLst>
+        </p:spPr>
+        <p:style>
+          <a:lnRef idx="2">
+            <a:schemeClr val="accent1">
+              <a:shade val="50000"/>
+            </a:schemeClr>
+          </a:lnRef>
+          <a:fillRef idx="1">
+            <a:schemeClr val="accent1"/>
+          </a:fillRef>
+          <a:effectRef idx="0">
+            <a:schemeClr val="accent1"/>
+          </a:effectRef>
+          <a:fontRef idx="minor">
+            <a:schemeClr val="lt1"/>
+          </a:fontRef>
+        </p:style>
+        <p:txBody>
+          <a:bodyPr rtlCol="0" anchor="ctr"/>
+          <a:lstStyle/>
+          <a:p>
+            <a:pPr algn="ctr"/>
+            <a:endParaRPr lang="en-US" dirty="0"/>
+          </a:p>
+        </p:txBody>
+      </p:sp>
+      <p:sp>
+        <p:nvSpPr>
+          <p:cNvPr id="10" name="Rectangle 9">
+            <a:extLst>
+              <a:ext uri="{FF2B5EF4-FFF2-40B4-BE49-F238E27FC236}">
+                <a16:creationId xmlns:a16="http://schemas.microsoft.com/office/drawing/2014/main" id="{B912F6C7-0423-4B6F-AECE-710C848918FD}"/>
+              </a:ext>
+              <a:ext uri="{C183D7F6-B498-43B3-948B-1728B52AA6E4}">
+                <adec:decorative xmlns:adec="http://schemas.microsoft.com/office/drawing/2017/decorative" val="1"/>
+              </a:ext>
+            </a:extLst>
+          </p:cNvPr>
+          <p:cNvSpPr>
+            <a:spLocks noGrp="1" noRot="1" noChangeAspect="1" noMove="1" noResize="1" noEditPoints="1" noAdjustHandles="1" noChangeArrowheads="1" noChangeShapeType="1" noTextEdit="1"/>
+          </p:cNvSpPr>
+          <p:nvPr>
+            <p:extLst>
+              <p:ext uri="{386F3935-93C4-4BCD-93E2-E3B085C9AB24}">
+                <p16:designElem xmlns:p16="http://schemas.microsoft.com/office/powerpoint/2015/main" val="1"/>
+              </p:ext>
+            </p:extLst>
+          </p:nvPr>
+        </p:nvSpPr>
+        <p:spPr>
+          <a:xfrm rot="5400000" flipH="1">
+            <a:off x="1446539" y="3195797"/>
+            <a:ext cx="6858000" cy="466406"/>
+          </a:xfrm>
+          <a:prstGeom prst="rect">
+            <a:avLst/>
+          </a:prstGeom>
+          <a:gradFill>
+            <a:gsLst>
+              <a:gs pos="0">
+                <a:srgbClr val="363D46">
+                  <a:alpha val="0"/>
+                </a:srgbClr>
+              </a:gs>
+              <a:gs pos="100000">
+                <a:srgbClr val="363D46">
+                  <a:lumMod val="75000"/>
+                </a:srgbClr>
+              </a:gs>
+            </a:gsLst>
+            <a:lin ang="5400000" scaled="0"/>
+          </a:gradFill>
+          <a:ln>
+            <a:noFill/>
+          </a:ln>
+          <a:effectLst/>
+        </p:spPr>
+        <p:style>
+          <a:lnRef idx="2">
+            <a:schemeClr val="accent1">
+              <a:shade val="50000"/>
+            </a:schemeClr>
+          </a:lnRef>
+          <a:fillRef idx="1">
+            <a:schemeClr val="accent1"/>
+          </a:fillRef>
+          <a:effectRef idx="0">
+            <a:schemeClr val="accent1"/>
+          </a:effectRef>
+          <a:fontRef idx="minor">
+            <a:schemeClr val="lt1"/>
+          </a:fontRef>
+        </p:style>
+        <p:txBody>
+          <a:bodyPr rot="0" spcFirstLastPara="0" vertOverflow="overflow" horzOverflow="overflow" vert="horz" wrap="square" lIns="91440" tIns="45720" rIns="91440" bIns="45720" numCol="1" spcCol="0" rtlCol="0" fromWordArt="0" anchor="ctr" anchorCtr="0" forceAA="0" compatLnSpc="1">
+            <a:prstTxWarp prst="textNoShape">
+              <a:avLst/>
+            </a:prstTxWarp>
+            <a:noAutofit/>
+          </a:bodyPr>
+          <a:lstStyle/>
+          <a:p>
+            <a:pPr algn="ctr"/>
+            <a:endParaRPr lang="en-US"/>
+          </a:p>
+        </p:txBody>
+      </p:sp>
+      <p:cxnSp>
+        <p:nvCxnSpPr>
+          <p:cNvPr id="12" name="Straight Connector 11">
+            <a:extLst>
+              <a:ext uri="{FF2B5EF4-FFF2-40B4-BE49-F238E27FC236}">
+                <a16:creationId xmlns:a16="http://schemas.microsoft.com/office/drawing/2014/main" id="{A7208205-03EE-4EC8-9C34-59270C1880D8}"/>
+              </a:ext>
+              <a:ext uri="{C183D7F6-B498-43B3-948B-1728B52AA6E4}">
+                <adec:decorative xmlns:adec="http://schemas.microsoft.com/office/drawing/2017/decorative" val="1"/>
+              </a:ext>
+            </a:extLst>
+          </p:cNvPr>
+          <p:cNvCxnSpPr>
+            <a:cxnSpLocks noGrp="1" noRot="1" noChangeAspect="1" noMove="1" noResize="1" noEditPoints="1" noAdjustHandles="1" noChangeArrowheads="1" noChangeShapeType="1"/>
+          </p:cNvCxnSpPr>
+          <p:nvPr>
+            <p:extLst>
+              <p:ext uri="{386F3935-93C4-4BCD-93E2-E3B085C9AB24}">
+                <p16:designElem xmlns:p16="http://schemas.microsoft.com/office/powerpoint/2015/main" val="1"/>
+              </p:ext>
+            </p:extLst>
+          </p:nvPr>
+        </p:nvCxnSpPr>
+        <p:spPr>
+          <a:xfrm>
+            <a:off x="4642336" y="0"/>
+            <a:ext cx="0" cy="6858000"/>
+          </a:xfrm>
+          <a:prstGeom prst="line">
+            <a:avLst/>
+          </a:prstGeom>
+          <a:solidFill>
+            <a:srgbClr val="FFFFFF"/>
+          </a:solidFill>
+          <a:ln w="38100" cap="flat">
+            <a:gradFill flip="none" rotWithShape="1">
+              <a:gsLst>
+                <a:gs pos="0">
+                  <a:srgbClr val="363D46"/>
+                </a:gs>
+                <a:gs pos="100000">
+                  <a:srgbClr val="363D46">
+                    <a:lumMod val="75000"/>
+                  </a:srgbClr>
+                </a:gs>
+              </a:gsLst>
+              <a:lin ang="5400000" scaled="0"/>
+              <a:tileRect/>
+            </a:gradFill>
+            <a:miter lim="800000"/>
+          </a:ln>
+          <a:effectLst>
+            <a:innerShdw blurRad="57150" dist="38100" dir="14460000">
+              <a:srgbClr val="000000">
+                <a:alpha val="70000"/>
+              </a:srgbClr>
+            </a:innerShdw>
+          </a:effectLst>
+        </p:spPr>
+        <p:style>
+          <a:lnRef idx="2">
+            <a:schemeClr val="accent1">
+              <a:shade val="50000"/>
+            </a:schemeClr>
+          </a:lnRef>
+          <a:fillRef idx="1">
+            <a:schemeClr val="accent1"/>
+          </a:fillRef>
+          <a:effectRef idx="0">
+            <a:schemeClr val="accent1"/>
+          </a:effectRef>
+          <a:fontRef idx="minor">
+            <a:schemeClr val="lt1"/>
+          </a:fontRef>
+        </p:style>
+      </p:cxnSp>
+      <p:sp>
+        <p:nvSpPr>
+          <p:cNvPr id="3" name="Content Placeholder 2">
+            <a:extLst>
+              <a:ext uri="{FF2B5EF4-FFF2-40B4-BE49-F238E27FC236}">
+                <a16:creationId xmlns:a16="http://schemas.microsoft.com/office/drawing/2014/main" id="{823FB324-7F23-5EAB-A446-E9AB7593A57A}"/>
+              </a:ext>
+            </a:extLst>
+          </p:cNvPr>
+          <p:cNvSpPr>
+            <a:spLocks noGrp="1"/>
+          </p:cNvSpPr>
+          <p:nvPr>
+            <p:ph idx="1"/>
+          </p:nvPr>
+        </p:nvSpPr>
+        <p:spPr>
+          <a:xfrm>
+            <a:off x="4973046" y="714375"/>
+            <a:ext cx="6253751" cy="5076825"/>
+          </a:xfrm>
+        </p:spPr>
+        <p:txBody>
+          <a:bodyPr>
+            <a:normAutofit/>
+          </a:bodyPr>
+          <a:lstStyle/>
+          <a:p>
+            <a:r>
+              <a:rPr lang="en-GB">
+                <a:solidFill>
+                  <a:schemeClr val="tx1"/>
+                </a:solidFill>
+              </a:rPr>
+              <a:t>Free version</a:t>
+            </a:r>
+          </a:p>
+          <a:p>
+            <a:pPr lvl="1"/>
+            <a:r>
+              <a:rPr lang="en-GB">
+                <a:solidFill>
+                  <a:schemeClr val="tx1"/>
+                </a:solidFill>
+              </a:rPr>
+              <a:t>Good for interactions where you attach the device to the user</a:t>
+            </a:r>
+          </a:p>
+          <a:p>
+            <a:r>
+              <a:rPr lang="en-GB">
+                <a:solidFill>
+                  <a:schemeClr val="tx1"/>
+                </a:solidFill>
+              </a:rPr>
+              <a:t>Pro Version</a:t>
+            </a:r>
+          </a:p>
+          <a:p>
+            <a:pPr lvl="1"/>
+            <a:r>
+              <a:rPr lang="en-GB">
+                <a:solidFill>
+                  <a:schemeClr val="tx1"/>
+                </a:solidFill>
+              </a:rPr>
+              <a:t>Facial recognition</a:t>
+            </a:r>
+          </a:p>
+          <a:p>
+            <a:pPr lvl="1"/>
+            <a:r>
+              <a:rPr lang="en-GB">
+                <a:solidFill>
+                  <a:schemeClr val="tx1"/>
+                </a:solidFill>
+              </a:rPr>
+              <a:t>Depth Camera</a:t>
+            </a:r>
+          </a:p>
+          <a:p>
+            <a:r>
+              <a:rPr lang="en-GB">
+                <a:solidFill>
+                  <a:schemeClr val="tx1"/>
+                </a:solidFill>
+              </a:rPr>
+              <a:t>Not very stable for body tracking</a:t>
+            </a:r>
+          </a:p>
+        </p:txBody>
+      </p:sp>
+    </p:spTree>
+    <p:extLst>
+      <p:ext uri="{BB962C8B-B14F-4D97-AF65-F5344CB8AC3E}">
+        <p14:creationId xmlns:p14="http://schemas.microsoft.com/office/powerpoint/2010/main" val="262510030"/>
+      </p:ext>
+    </p:extLst>
+  </p:cSld>
+  <p:clrMapOvr>
+    <a:masterClrMapping/>
+  </p:clrMapOvr>
+</p:sld>
+</file>
+
+<file path=ppt/slides/slide12.xml><?xml version="1.0" encoding="utf-8"?>
+<p:sld xmlns:a="http://schemas.openxmlformats.org/drawingml/2006/main" xmlns:r="http://schemas.openxmlformats.org/officeDocument/2006/relationships" xmlns:p="http://schemas.openxmlformats.org/presentationml/2006/main">
+  <p:cSld>
+    <p:bg>
+      <p:bgPr>
+        <a:blipFill rotWithShape="1">
+          <a:blip r:embed="rId2">
+            <a:duotone>
+              <a:schemeClr val="bg2">
+                <a:shade val="28000"/>
+                <a:satMod val="94000"/>
+                <a:lumMod val="20000"/>
+              </a:schemeClr>
+              <a:schemeClr val="bg2">
+                <a:tint val="94000"/>
+                <a:shade val="84000"/>
+                <a:satMod val="148000"/>
+                <a:lumMod val="114000"/>
+              </a:schemeClr>
+            </a:duotone>
+          </a:blip>
+          <a:stretch/>
+        </a:blipFill>
+        <a:effectLst/>
+      </p:bgPr>
+    </p:bg>
+    <p:spTree>
+      <p:nvGrpSpPr>
+        <p:cNvPr id="1" name=""/>
+        <p:cNvGrpSpPr/>
+        <p:nvPr/>
+      </p:nvGrpSpPr>
+      <p:grpSpPr>
+        <a:xfrm>
+          <a:off x="0" y="0"/>
+          <a:ext cx="0" cy="0"/>
+          <a:chOff x="0" y="0"/>
+          <a:chExt cx="0" cy="0"/>
+        </a:xfrm>
+      </p:grpSpPr>
       <p:sp>
         <p:nvSpPr>
           <p:cNvPr id="2" name="Title 1">
@@ -13050,7 +13608,404 @@
 </p:sld>
 </file>
 
-<file path=ppt/slides/slide11.xml><?xml version="1.0" encoding="utf-8"?>
+<file path=ppt/slides/slide13.xml><?xml version="1.0" encoding="utf-8"?>
+<p:sld xmlns:a="http://schemas.openxmlformats.org/drawingml/2006/main" xmlns:r="http://schemas.openxmlformats.org/officeDocument/2006/relationships" xmlns:p="http://schemas.openxmlformats.org/presentationml/2006/main">
+  <p:cSld>
+    <p:bg>
+      <p:bgPr>
+        <a:blipFill rotWithShape="1">
+          <a:blip r:embed="rId2">
+            <a:duotone>
+              <a:schemeClr val="bg2">
+                <a:shade val="28000"/>
+                <a:satMod val="94000"/>
+                <a:lumMod val="20000"/>
+              </a:schemeClr>
+              <a:schemeClr val="bg2">
+                <a:tint val="94000"/>
+                <a:shade val="84000"/>
+                <a:satMod val="148000"/>
+                <a:lumMod val="114000"/>
+              </a:schemeClr>
+            </a:duotone>
+          </a:blip>
+          <a:stretch/>
+        </a:blipFill>
+        <a:effectLst/>
+      </p:bgPr>
+    </p:bg>
+    <p:spTree>
+      <p:nvGrpSpPr>
+        <p:cNvPr id="1" name=""/>
+        <p:cNvGrpSpPr/>
+        <p:nvPr/>
+      </p:nvGrpSpPr>
+      <p:grpSpPr>
+        <a:xfrm>
+          <a:off x="0" y="0"/>
+          <a:ext cx="0" cy="0"/>
+          <a:chOff x="0" y="0"/>
+          <a:chExt cx="0" cy="0"/>
+        </a:xfrm>
+      </p:grpSpPr>
+      <p:sp>
+        <p:nvSpPr>
+          <p:cNvPr id="2" name="Title 1">
+            <a:extLst>
+              <a:ext uri="{FF2B5EF4-FFF2-40B4-BE49-F238E27FC236}">
+                <a16:creationId xmlns:a16="http://schemas.microsoft.com/office/drawing/2014/main" id="{7AD9A812-FB90-8B36-79B5-518BCFC6BE4C}"/>
+              </a:ext>
+            </a:extLst>
+          </p:cNvPr>
+          <p:cNvSpPr>
+            <a:spLocks noGrp="1"/>
+          </p:cNvSpPr>
+          <p:nvPr>
+            <p:ph type="title"/>
+          </p:nvPr>
+        </p:nvSpPr>
+        <p:spPr>
+          <a:xfrm>
+            <a:off x="974179" y="714375"/>
+            <a:ext cx="3332955" cy="5076826"/>
+          </a:xfrm>
+        </p:spPr>
+        <p:txBody>
+          <a:bodyPr anchor="ctr">
+            <a:normAutofit/>
+          </a:bodyPr>
+          <a:lstStyle/>
+          <a:p>
+            <a:r>
+              <a:rPr lang="en-GB" sz="4000"/>
+              <a:t>Tips</a:t>
+            </a:r>
+          </a:p>
+        </p:txBody>
+      </p:sp>
+      <p:sp>
+        <p:nvSpPr>
+          <p:cNvPr id="8" name="Rectangle 7">
+            <a:extLst>
+              <a:ext uri="{FF2B5EF4-FFF2-40B4-BE49-F238E27FC236}">
+                <a16:creationId xmlns:a16="http://schemas.microsoft.com/office/drawing/2014/main" id="{375136A9-49F9-4DA0-A741-F065B0FA091D}"/>
+              </a:ext>
+              <a:ext uri="{C183D7F6-B498-43B3-948B-1728B52AA6E4}">
+                <adec:decorative xmlns:adec="http://schemas.microsoft.com/office/drawing/2017/decorative" val="1"/>
+              </a:ext>
+            </a:extLst>
+          </p:cNvPr>
+          <p:cNvSpPr>
+            <a:spLocks noGrp="1" noRot="1" noChangeAspect="1" noMove="1" noResize="1" noEditPoints="1" noAdjustHandles="1" noChangeArrowheads="1" noChangeShapeType="1" noTextEdit="1"/>
+          </p:cNvSpPr>
+          <p:nvPr>
+            <p:extLst>
+              <p:ext uri="{386F3935-93C4-4BCD-93E2-E3B085C9AB24}">
+                <p16:designElem xmlns:p16="http://schemas.microsoft.com/office/powerpoint/2015/main" val="1"/>
+              </p:ext>
+            </p:extLst>
+          </p:nvPr>
+        </p:nvSpPr>
+        <p:spPr>
+          <a:xfrm>
+            <a:off x="4633356" y="0"/>
+            <a:ext cx="7558643" cy="6858000"/>
+          </a:xfrm>
+          <a:prstGeom prst="rect">
+            <a:avLst/>
+          </a:prstGeom>
+          <a:solidFill>
+            <a:schemeClr val="bg2"/>
+          </a:solidFill>
+          <a:ln>
+            <a:noFill/>
+          </a:ln>
+          <a:effectLst>
+            <a:innerShdw blurRad="63500" dist="50800" dir="10800000">
+              <a:prstClr val="black">
+                <a:alpha val="50000"/>
+              </a:prstClr>
+            </a:innerShdw>
+          </a:effectLst>
+        </p:spPr>
+        <p:style>
+          <a:lnRef idx="2">
+            <a:schemeClr val="accent1">
+              <a:shade val="50000"/>
+            </a:schemeClr>
+          </a:lnRef>
+          <a:fillRef idx="1">
+            <a:schemeClr val="accent1"/>
+          </a:fillRef>
+          <a:effectRef idx="0">
+            <a:schemeClr val="accent1"/>
+          </a:effectRef>
+          <a:fontRef idx="minor">
+            <a:schemeClr val="lt1"/>
+          </a:fontRef>
+        </p:style>
+        <p:txBody>
+          <a:bodyPr rtlCol="0" anchor="ctr"/>
+          <a:lstStyle/>
+          <a:p>
+            <a:pPr algn="ctr"/>
+            <a:endParaRPr lang="en-US" dirty="0"/>
+          </a:p>
+        </p:txBody>
+      </p:sp>
+      <p:sp>
+        <p:nvSpPr>
+          <p:cNvPr id="10" name="Rectangle 9">
+            <a:extLst>
+              <a:ext uri="{FF2B5EF4-FFF2-40B4-BE49-F238E27FC236}">
+                <a16:creationId xmlns:a16="http://schemas.microsoft.com/office/drawing/2014/main" id="{B912F6C7-0423-4B6F-AECE-710C848918FD}"/>
+              </a:ext>
+              <a:ext uri="{C183D7F6-B498-43B3-948B-1728B52AA6E4}">
+                <adec:decorative xmlns:adec="http://schemas.microsoft.com/office/drawing/2017/decorative" val="1"/>
+              </a:ext>
+            </a:extLst>
+          </p:cNvPr>
+          <p:cNvSpPr>
+            <a:spLocks noGrp="1" noRot="1" noChangeAspect="1" noMove="1" noResize="1" noEditPoints="1" noAdjustHandles="1" noChangeArrowheads="1" noChangeShapeType="1" noTextEdit="1"/>
+          </p:cNvSpPr>
+          <p:nvPr>
+            <p:extLst>
+              <p:ext uri="{386F3935-93C4-4BCD-93E2-E3B085C9AB24}">
+                <p16:designElem xmlns:p16="http://schemas.microsoft.com/office/powerpoint/2015/main" val="1"/>
+              </p:ext>
+            </p:extLst>
+          </p:nvPr>
+        </p:nvSpPr>
+        <p:spPr>
+          <a:xfrm rot="5400000" flipH="1">
+            <a:off x="1446539" y="3195797"/>
+            <a:ext cx="6858000" cy="466406"/>
+          </a:xfrm>
+          <a:prstGeom prst="rect">
+            <a:avLst/>
+          </a:prstGeom>
+          <a:gradFill>
+            <a:gsLst>
+              <a:gs pos="0">
+                <a:srgbClr val="363D46">
+                  <a:alpha val="0"/>
+                </a:srgbClr>
+              </a:gs>
+              <a:gs pos="100000">
+                <a:srgbClr val="363D46">
+                  <a:lumMod val="75000"/>
+                </a:srgbClr>
+              </a:gs>
+            </a:gsLst>
+            <a:lin ang="5400000" scaled="0"/>
+          </a:gradFill>
+          <a:ln>
+            <a:noFill/>
+          </a:ln>
+          <a:effectLst/>
+        </p:spPr>
+        <p:style>
+          <a:lnRef idx="2">
+            <a:schemeClr val="accent1">
+              <a:shade val="50000"/>
+            </a:schemeClr>
+          </a:lnRef>
+          <a:fillRef idx="1">
+            <a:schemeClr val="accent1"/>
+          </a:fillRef>
+          <a:effectRef idx="0">
+            <a:schemeClr val="accent1"/>
+          </a:effectRef>
+          <a:fontRef idx="minor">
+            <a:schemeClr val="lt1"/>
+          </a:fontRef>
+        </p:style>
+        <p:txBody>
+          <a:bodyPr rot="0" spcFirstLastPara="0" vertOverflow="overflow" horzOverflow="overflow" vert="horz" wrap="square" lIns="91440" tIns="45720" rIns="91440" bIns="45720" numCol="1" spcCol="0" rtlCol="0" fromWordArt="0" anchor="ctr" anchorCtr="0" forceAA="0" compatLnSpc="1">
+            <a:prstTxWarp prst="textNoShape">
+              <a:avLst/>
+            </a:prstTxWarp>
+            <a:noAutofit/>
+          </a:bodyPr>
+          <a:lstStyle/>
+          <a:p>
+            <a:pPr algn="ctr"/>
+            <a:endParaRPr lang="en-US"/>
+          </a:p>
+        </p:txBody>
+      </p:sp>
+      <p:cxnSp>
+        <p:nvCxnSpPr>
+          <p:cNvPr id="12" name="Straight Connector 11">
+            <a:extLst>
+              <a:ext uri="{FF2B5EF4-FFF2-40B4-BE49-F238E27FC236}">
+                <a16:creationId xmlns:a16="http://schemas.microsoft.com/office/drawing/2014/main" id="{A7208205-03EE-4EC8-9C34-59270C1880D8}"/>
+              </a:ext>
+              <a:ext uri="{C183D7F6-B498-43B3-948B-1728B52AA6E4}">
+                <adec:decorative xmlns:adec="http://schemas.microsoft.com/office/drawing/2017/decorative" val="1"/>
+              </a:ext>
+            </a:extLst>
+          </p:cNvPr>
+          <p:cNvCxnSpPr>
+            <a:cxnSpLocks noGrp="1" noRot="1" noChangeAspect="1" noMove="1" noResize="1" noEditPoints="1" noAdjustHandles="1" noChangeArrowheads="1" noChangeShapeType="1"/>
+          </p:cNvCxnSpPr>
+          <p:nvPr>
+            <p:extLst>
+              <p:ext uri="{386F3935-93C4-4BCD-93E2-E3B085C9AB24}">
+                <p16:designElem xmlns:p16="http://schemas.microsoft.com/office/powerpoint/2015/main" val="1"/>
+              </p:ext>
+            </p:extLst>
+          </p:nvPr>
+        </p:nvCxnSpPr>
+        <p:spPr>
+          <a:xfrm>
+            <a:off x="4642336" y="0"/>
+            <a:ext cx="0" cy="6858000"/>
+          </a:xfrm>
+          <a:prstGeom prst="line">
+            <a:avLst/>
+          </a:prstGeom>
+          <a:solidFill>
+            <a:srgbClr val="FFFFFF"/>
+          </a:solidFill>
+          <a:ln w="38100" cap="flat">
+            <a:gradFill flip="none" rotWithShape="1">
+              <a:gsLst>
+                <a:gs pos="0">
+                  <a:srgbClr val="363D46"/>
+                </a:gs>
+                <a:gs pos="100000">
+                  <a:srgbClr val="363D46">
+                    <a:lumMod val="75000"/>
+                  </a:srgbClr>
+                </a:gs>
+              </a:gsLst>
+              <a:lin ang="5400000" scaled="0"/>
+              <a:tileRect/>
+            </a:gradFill>
+            <a:miter lim="800000"/>
+          </a:ln>
+          <a:effectLst>
+            <a:innerShdw blurRad="57150" dist="38100" dir="14460000">
+              <a:srgbClr val="000000">
+                <a:alpha val="70000"/>
+              </a:srgbClr>
+            </a:innerShdw>
+          </a:effectLst>
+        </p:spPr>
+        <p:style>
+          <a:lnRef idx="2">
+            <a:schemeClr val="accent1">
+              <a:shade val="50000"/>
+            </a:schemeClr>
+          </a:lnRef>
+          <a:fillRef idx="1">
+            <a:schemeClr val="accent1"/>
+          </a:fillRef>
+          <a:effectRef idx="0">
+            <a:schemeClr val="accent1"/>
+          </a:effectRef>
+          <a:fontRef idx="minor">
+            <a:schemeClr val="lt1"/>
+          </a:fontRef>
+        </p:style>
+      </p:cxnSp>
+      <p:sp>
+        <p:nvSpPr>
+          <p:cNvPr id="3" name="Content Placeholder 2">
+            <a:extLst>
+              <a:ext uri="{FF2B5EF4-FFF2-40B4-BE49-F238E27FC236}">
+                <a16:creationId xmlns:a16="http://schemas.microsoft.com/office/drawing/2014/main" id="{930AAD19-0E95-B395-E307-41FFB3A14CE2}"/>
+              </a:ext>
+            </a:extLst>
+          </p:cNvPr>
+          <p:cNvSpPr>
+            <a:spLocks noGrp="1"/>
+          </p:cNvSpPr>
+          <p:nvPr>
+            <p:ph idx="1"/>
+          </p:nvPr>
+        </p:nvSpPr>
+        <p:spPr>
+          <a:xfrm>
+            <a:off x="4973046" y="714375"/>
+            <a:ext cx="6253751" cy="5076825"/>
+          </a:xfrm>
+        </p:spPr>
+        <p:txBody>
+          <a:bodyPr>
+            <a:normAutofit/>
+          </a:bodyPr>
+          <a:lstStyle/>
+          <a:p>
+            <a:r>
+              <a:rPr lang="en-GB">
+                <a:solidFill>
+                  <a:schemeClr val="tx1"/>
+                </a:solidFill>
+              </a:rPr>
+              <a:t>Keep it simple</a:t>
+            </a:r>
+          </a:p>
+          <a:p>
+            <a:pPr lvl="1"/>
+            <a:r>
+              <a:rPr lang="en-GB">
+                <a:solidFill>
+                  <a:schemeClr val="tx1"/>
+                </a:solidFill>
+              </a:rPr>
+              <a:t>For interaction triggers use 2-3 data points</a:t>
+            </a:r>
+          </a:p>
+          <a:p>
+            <a:pPr lvl="1"/>
+            <a:r>
+              <a:rPr lang="en-GB">
+                <a:solidFill>
+                  <a:schemeClr val="tx1"/>
+                </a:solidFill>
+              </a:rPr>
+              <a:t>Content modifiers solve one property at the time</a:t>
+            </a:r>
+          </a:p>
+          <a:p>
+            <a:pPr lvl="1"/>
+            <a:r>
+              <a:rPr lang="en-GB">
+                <a:solidFill>
+                  <a:schemeClr val="tx1"/>
+                </a:solidFill>
+              </a:rPr>
+              <a:t>Think generic instead of specific constraints</a:t>
+            </a:r>
+          </a:p>
+          <a:p>
+            <a:r>
+              <a:rPr lang="en-GB">
+                <a:solidFill>
+                  <a:schemeClr val="tx1"/>
+                </a:solidFill>
+              </a:rPr>
+              <a:t>Precision is hard, embrace 80-20</a:t>
+            </a:r>
+          </a:p>
+        </p:txBody>
+      </p:sp>
+    </p:spTree>
+    <p:extLst>
+      <p:ext uri="{BB962C8B-B14F-4D97-AF65-F5344CB8AC3E}">
+        <p14:creationId xmlns:p14="http://schemas.microsoft.com/office/powerpoint/2010/main" val="3755989870"/>
+      </p:ext>
+    </p:extLst>
+  </p:cSld>
+  <p:clrMapOvr>
+    <a:masterClrMapping/>
+  </p:clrMapOvr>
+</p:sld>
+</file>
+
+<file path=ppt/slides/slide14.xml><?xml version="1.0" encoding="utf-8"?>
 <p:sld xmlns:a="http://schemas.openxmlformats.org/drawingml/2006/main" xmlns:r="http://schemas.openxmlformats.org/officeDocument/2006/relationships" xmlns:p="http://schemas.openxmlformats.org/presentationml/2006/main">
   <p:cSld>
     <p:spTree>
@@ -13162,6 +14117,387 @@
 </file>
 
 <file path=ppt/slides/slide2.xml><?xml version="1.0" encoding="utf-8"?>
+<p:sld xmlns:a="http://schemas.openxmlformats.org/drawingml/2006/main" xmlns:r="http://schemas.openxmlformats.org/officeDocument/2006/relationships" xmlns:p="http://schemas.openxmlformats.org/presentationml/2006/main">
+  <p:cSld>
+    <p:bg>
+      <p:bgPr>
+        <a:blipFill rotWithShape="1">
+          <a:blip r:embed="rId2">
+            <a:duotone>
+              <a:schemeClr val="bg2">
+                <a:shade val="28000"/>
+                <a:satMod val="94000"/>
+                <a:lumMod val="20000"/>
+              </a:schemeClr>
+              <a:schemeClr val="bg2">
+                <a:tint val="94000"/>
+                <a:shade val="84000"/>
+                <a:satMod val="148000"/>
+                <a:lumMod val="114000"/>
+              </a:schemeClr>
+            </a:duotone>
+          </a:blip>
+          <a:stretch/>
+        </a:blipFill>
+        <a:effectLst/>
+      </p:bgPr>
+    </p:bg>
+    <p:spTree>
+      <p:nvGrpSpPr>
+        <p:cNvPr id="1" name=""/>
+        <p:cNvGrpSpPr/>
+        <p:nvPr/>
+      </p:nvGrpSpPr>
+      <p:grpSpPr>
+        <a:xfrm>
+          <a:off x="0" y="0"/>
+          <a:ext cx="0" cy="0"/>
+          <a:chOff x="0" y="0"/>
+          <a:chExt cx="0" cy="0"/>
+        </a:xfrm>
+      </p:grpSpPr>
+      <p:sp>
+        <p:nvSpPr>
+          <p:cNvPr id="2" name="Title 1">
+            <a:extLst>
+              <a:ext uri="{FF2B5EF4-FFF2-40B4-BE49-F238E27FC236}">
+                <a16:creationId xmlns:a16="http://schemas.microsoft.com/office/drawing/2014/main" id="{9400E200-47F9-CA41-E716-A16250F48173}"/>
+              </a:ext>
+            </a:extLst>
+          </p:cNvPr>
+          <p:cNvSpPr>
+            <a:spLocks noGrp="1"/>
+          </p:cNvSpPr>
+          <p:nvPr>
+            <p:ph type="title"/>
+          </p:nvPr>
+        </p:nvSpPr>
+        <p:spPr>
+          <a:xfrm>
+            <a:off x="8164106" y="609600"/>
+            <a:ext cx="3369133" cy="3642851"/>
+          </a:xfrm>
+        </p:spPr>
+        <p:txBody>
+          <a:bodyPr vert="horz" lIns="91440" tIns="45720" rIns="91440" bIns="45720" rtlCol="0" anchor="b">
+            <a:normAutofit/>
+          </a:bodyPr>
+          <a:lstStyle/>
+          <a:p>
+            <a:pPr algn="ctr"/>
+            <a:r>
+              <a:rPr lang="en-US" sz="4000">
+                <a:effectLst>
+                  <a:glow rad="38100">
+                    <a:schemeClr val="bg1">
+                      <a:lumMod val="65000"/>
+                      <a:lumOff val="35000"/>
+                      <a:alpha val="50000"/>
+                    </a:schemeClr>
+                  </a:glow>
+                  <a:outerShdw blurRad="28575" dist="31750" dir="13200000" algn="tl" rotWithShape="0">
+                    <a:srgbClr val="000000">
+                      <a:alpha val="25000"/>
+                    </a:srgbClr>
+                  </a:outerShdw>
+                </a:effectLst>
+              </a:rPr>
+              <a:t>Immersive lab</a:t>
+            </a:r>
+          </a:p>
+        </p:txBody>
+      </p:sp>
+      <p:pic>
+        <p:nvPicPr>
+          <p:cNvPr id="5" name="Content Placeholder 4" descr="A colorful squares with black text&#10;&#10;Description automatically generated">
+            <a:extLst>
+              <a:ext uri="{FF2B5EF4-FFF2-40B4-BE49-F238E27FC236}">
+                <a16:creationId xmlns:a16="http://schemas.microsoft.com/office/drawing/2014/main" id="{EF16DC51-869A-6AB4-6238-E482EC61FDEF}"/>
+              </a:ext>
+            </a:extLst>
+          </p:cNvPr>
+          <p:cNvPicPr>
+            <a:picLocks noGrp="1" noChangeAspect="1"/>
+          </p:cNvPicPr>
+          <p:nvPr>
+            <p:ph idx="1"/>
+          </p:nvPr>
+        </p:nvPicPr>
+        <p:blipFill>
+          <a:blip r:embed="rId3"/>
+          <a:stretch>
+            <a:fillRect/>
+          </a:stretch>
+        </p:blipFill>
+        <p:spPr>
+          <a:xfrm>
+            <a:off x="636915" y="1485814"/>
+            <a:ext cx="6915663" cy="3890060"/>
+          </a:xfrm>
+          <a:prstGeom prst="roundRect">
+            <a:avLst>
+              <a:gd name="adj" fmla="val 3517"/>
+            </a:avLst>
+          </a:prstGeom>
+          <a:ln w="38100">
+            <a:gradFill flip="none" rotWithShape="1">
+              <a:gsLst>
+                <a:gs pos="0">
+                  <a:srgbClr val="363D46"/>
+                </a:gs>
+                <a:gs pos="100000">
+                  <a:srgbClr val="363D46">
+                    <a:lumMod val="75000"/>
+                  </a:srgbClr>
+                </a:gs>
+              </a:gsLst>
+              <a:lin ang="5400000" scaled="0"/>
+              <a:tileRect/>
+            </a:gradFill>
+          </a:ln>
+          <a:effectLst>
+            <a:innerShdw blurRad="57150" dist="38100" dir="14460000">
+              <a:srgbClr val="000000">
+                <a:alpha val="70000"/>
+              </a:srgbClr>
+            </a:innerShdw>
+          </a:effectLst>
+        </p:spPr>
+      </p:pic>
+    </p:spTree>
+    <p:extLst>
+      <p:ext uri="{BB962C8B-B14F-4D97-AF65-F5344CB8AC3E}">
+        <p14:creationId xmlns:p14="http://schemas.microsoft.com/office/powerpoint/2010/main" val="1608871929"/>
+      </p:ext>
+    </p:extLst>
+  </p:cSld>
+  <p:clrMapOvr>
+    <a:masterClrMapping/>
+  </p:clrMapOvr>
+</p:sld>
+</file>
+
+<file path=ppt/slides/slide3.xml><?xml version="1.0" encoding="utf-8"?>
+<p:sld xmlns:a="http://schemas.openxmlformats.org/drawingml/2006/main" xmlns:r="http://schemas.openxmlformats.org/officeDocument/2006/relationships" xmlns:p="http://schemas.openxmlformats.org/presentationml/2006/main">
+  <p:cSld>
+    <p:bg>
+      <p:bgPr>
+        <a:blipFill rotWithShape="1">
+          <a:blip r:embed="rId2">
+            <a:duotone>
+              <a:schemeClr val="bg2">
+                <a:shade val="28000"/>
+                <a:satMod val="94000"/>
+                <a:lumMod val="20000"/>
+              </a:schemeClr>
+              <a:schemeClr val="bg2">
+                <a:tint val="94000"/>
+                <a:shade val="84000"/>
+                <a:satMod val="148000"/>
+                <a:lumMod val="114000"/>
+              </a:schemeClr>
+            </a:duotone>
+          </a:blip>
+          <a:stretch/>
+        </a:blipFill>
+        <a:effectLst/>
+      </p:bgPr>
+    </p:bg>
+    <p:spTree>
+      <p:nvGrpSpPr>
+        <p:cNvPr id="1" name=""/>
+        <p:cNvGrpSpPr/>
+        <p:nvPr/>
+      </p:nvGrpSpPr>
+      <p:grpSpPr>
+        <a:xfrm>
+          <a:off x="0" y="0"/>
+          <a:ext cx="0" cy="0"/>
+          <a:chOff x="0" y="0"/>
+          <a:chExt cx="0" cy="0"/>
+        </a:xfrm>
+      </p:grpSpPr>
+      <p:sp>
+        <p:nvSpPr>
+          <p:cNvPr id="2" name="Title 1">
+            <a:extLst>
+              <a:ext uri="{FF2B5EF4-FFF2-40B4-BE49-F238E27FC236}">
+                <a16:creationId xmlns:a16="http://schemas.microsoft.com/office/drawing/2014/main" id="{64A0927B-95DA-AC1A-8FFE-D69673473E55}"/>
+              </a:ext>
+            </a:extLst>
+          </p:cNvPr>
+          <p:cNvSpPr>
+            <a:spLocks noGrp="1"/>
+          </p:cNvSpPr>
+          <p:nvPr>
+            <p:ph type="title"/>
+          </p:nvPr>
+        </p:nvSpPr>
+        <p:spPr>
+          <a:xfrm>
+            <a:off x="643192" y="609600"/>
+            <a:ext cx="3643674" cy="1905000"/>
+          </a:xfrm>
+        </p:spPr>
+        <p:txBody>
+          <a:bodyPr vert="horz" lIns="91440" tIns="45720" rIns="91440" bIns="45720" rtlCol="0" anchor="ctr">
+            <a:normAutofit/>
+          </a:bodyPr>
+          <a:lstStyle/>
+          <a:p>
+            <a:r>
+              <a:rPr lang="en-US" sz="2800"/>
+              <a:t>Git Repository</a:t>
+            </a:r>
+          </a:p>
+        </p:txBody>
+      </p:sp>
+      <p:sp>
+        <p:nvSpPr>
+          <p:cNvPr id="9" name="TextBox 8">
+            <a:extLst>
+              <a:ext uri="{FF2B5EF4-FFF2-40B4-BE49-F238E27FC236}">
+                <a16:creationId xmlns:a16="http://schemas.microsoft.com/office/drawing/2014/main" id="{204C3030-8D73-F95D-D09D-9434C0FD3F88}"/>
+              </a:ext>
+            </a:extLst>
+          </p:cNvPr>
+          <p:cNvSpPr txBox="1"/>
+          <p:nvPr/>
+        </p:nvSpPr>
+        <p:spPr>
+          <a:xfrm>
+            <a:off x="643192" y="2666999"/>
+            <a:ext cx="3643674" cy="3216276"/>
+          </a:xfrm>
+          <a:prstGeom prst="rect">
+            <a:avLst/>
+          </a:prstGeom>
+        </p:spPr>
+        <p:txBody>
+          <a:bodyPr vert="horz" lIns="91440" tIns="45720" rIns="91440" bIns="45720" rtlCol="0" anchor="t">
+            <a:normAutofit/>
+          </a:bodyPr>
+          <a:lstStyle/>
+          <a:p>
+            <a:pPr>
+              <a:spcBef>
+                <a:spcPct val="20000"/>
+              </a:spcBef>
+              <a:spcAft>
+                <a:spcPts val="600"/>
+              </a:spcAft>
+              <a:buClr>
+                <a:schemeClr val="tx1"/>
+              </a:buClr>
+              <a:buSzPct val="100000"/>
+              <a:buFont typeface="Arial"/>
+              <a:buChar char="•"/>
+            </a:pPr>
+            <a:r>
+              <a:rPr lang="en-US" cap="small">
+                <a:gradFill flip="none" rotWithShape="1">
+                  <a:gsLst>
+                    <a:gs pos="0">
+                      <a:schemeClr val="tx1"/>
+                    </a:gs>
+                    <a:gs pos="100000">
+                      <a:schemeClr val="tx1">
+                        <a:lumMod val="75000"/>
+                      </a:schemeClr>
+                    </a:gs>
+                  </a:gsLst>
+                  <a:lin ang="5580000" scaled="0"/>
+                  <a:tileRect/>
+                </a:gradFill>
+                <a:effectLst>
+                  <a:glow rad="38100">
+                    <a:schemeClr val="bg1">
+                      <a:lumMod val="50000"/>
+                      <a:lumOff val="50000"/>
+                      <a:alpha val="20000"/>
+                    </a:schemeClr>
+                  </a:glow>
+                  <a:outerShdw blurRad="44450" dist="12700" dir="13860000" algn="tl" rotWithShape="0">
+                    <a:srgbClr val="000000">
+                      <a:alpha val="20000"/>
+                    </a:srgbClr>
+                  </a:outerShdw>
+                </a:effectLst>
+              </a:rPr>
+              <a:t>https://github.com/Rauleal/HvA_Immersive_Lab</a:t>
+            </a:r>
+          </a:p>
+        </p:txBody>
+      </p:sp>
+      <p:pic>
+        <p:nvPicPr>
+          <p:cNvPr id="6" name="Picture 5" descr="A screenshot of a computer&#10;&#10;Description automatically generated">
+            <a:extLst>
+              <a:ext uri="{FF2B5EF4-FFF2-40B4-BE49-F238E27FC236}">
+                <a16:creationId xmlns:a16="http://schemas.microsoft.com/office/drawing/2014/main" id="{1952821E-62B0-E642-194C-C9DF06AB1EB5}"/>
+              </a:ext>
+            </a:extLst>
+          </p:cNvPr>
+          <p:cNvPicPr>
+            <a:picLocks noChangeAspect="1"/>
+          </p:cNvPicPr>
+          <p:nvPr/>
+        </p:nvPicPr>
+        <p:blipFill>
+          <a:blip r:embed="rId3"/>
+          <a:stretch>
+            <a:fillRect/>
+          </a:stretch>
+        </p:blipFill>
+        <p:spPr>
+          <a:xfrm>
+            <a:off x="4630994" y="1263156"/>
+            <a:ext cx="6916633" cy="4011647"/>
+          </a:xfrm>
+          <a:prstGeom prst="roundRect">
+            <a:avLst>
+              <a:gd name="adj" fmla="val 3517"/>
+            </a:avLst>
+          </a:prstGeom>
+          <a:ln w="38100">
+            <a:gradFill flip="none" rotWithShape="1">
+              <a:gsLst>
+                <a:gs pos="0">
+                  <a:srgbClr val="363D46"/>
+                </a:gs>
+                <a:gs pos="100000">
+                  <a:srgbClr val="363D46">
+                    <a:lumMod val="75000"/>
+                  </a:srgbClr>
+                </a:gs>
+              </a:gsLst>
+              <a:lin ang="5400000" scaled="0"/>
+              <a:tileRect/>
+            </a:gradFill>
+          </a:ln>
+          <a:effectLst>
+            <a:innerShdw blurRad="57150" dist="38100" dir="14460000">
+              <a:srgbClr val="000000">
+                <a:alpha val="70000"/>
+              </a:srgbClr>
+            </a:innerShdw>
+          </a:effectLst>
+        </p:spPr>
+      </p:pic>
+    </p:spTree>
+    <p:extLst>
+      <p:ext uri="{BB962C8B-B14F-4D97-AF65-F5344CB8AC3E}">
+        <p14:creationId xmlns:p14="http://schemas.microsoft.com/office/powerpoint/2010/main" val="314033271"/>
+      </p:ext>
+    </p:extLst>
+  </p:cSld>
+  <p:clrMapOvr>
+    <a:masterClrMapping/>
+  </p:clrMapOvr>
+</p:sld>
+</file>
+
+<file path=ppt/slides/slide4.xml><?xml version="1.0" encoding="utf-8"?>
 <p:sld xmlns:a="http://schemas.openxmlformats.org/drawingml/2006/main" xmlns:r="http://schemas.openxmlformats.org/officeDocument/2006/relationships" xmlns:p="http://schemas.openxmlformats.org/presentationml/2006/main">
   <p:cSld>
     <p:bg>
@@ -14465,7 +15801,7 @@
 </p:sld>
 </file>
 
-<file path=ppt/slides/slide3.xml><?xml version="1.0" encoding="utf-8"?>
+<file path=ppt/slides/slide5.xml><?xml version="1.0" encoding="utf-8"?>
 <p:sld xmlns:a="http://schemas.openxmlformats.org/drawingml/2006/main" xmlns:r="http://schemas.openxmlformats.org/officeDocument/2006/relationships" xmlns:p="http://schemas.openxmlformats.org/presentationml/2006/main">
   <p:cSld>
     <p:bg>
@@ -15598,7 +16934,7 @@
 </p:sld>
 </file>
 
-<file path=ppt/slides/slide4.xml><?xml version="1.0" encoding="utf-8"?>
+<file path=ppt/slides/slide6.xml><?xml version="1.0" encoding="utf-8"?>
 <p:sld xmlns:a="http://schemas.openxmlformats.org/drawingml/2006/main" xmlns:r="http://schemas.openxmlformats.org/officeDocument/2006/relationships" xmlns:p="http://schemas.openxmlformats.org/presentationml/2006/main">
   <p:cSld>
     <p:bg>
@@ -15944,7 +17280,7 @@
 </p:sld>
 </file>
 
-<file path=ppt/slides/slide5.xml><?xml version="1.0" encoding="utf-8"?>
+<file path=ppt/slides/slide7.xml><?xml version="1.0" encoding="utf-8"?>
 <p:sld xmlns:a="http://schemas.openxmlformats.org/drawingml/2006/main" xmlns:r="http://schemas.openxmlformats.org/officeDocument/2006/relationships" xmlns:p="http://schemas.openxmlformats.org/presentationml/2006/main">
   <p:cSld>
     <p:bg>
@@ -16662,7 +17998,7 @@
 </p:sld>
 </file>
 
-<file path=ppt/slides/slide6.xml><?xml version="1.0" encoding="utf-8"?>
+<file path=ppt/slides/slide8.xml><?xml version="1.0" encoding="utf-8"?>
 <p:sld xmlns:a="http://schemas.openxmlformats.org/drawingml/2006/main" xmlns:r="http://schemas.openxmlformats.org/officeDocument/2006/relationships" xmlns:p="http://schemas.openxmlformats.org/presentationml/2006/main">
   <p:cSld>
     <p:bg>
@@ -16784,7 +18120,7 @@
 </p:sld>
 </file>
 
-<file path=ppt/slides/slide7.xml><?xml version="1.0" encoding="utf-8"?>
+<file path=ppt/slides/slide9.xml><?xml version="1.0" encoding="utf-8"?>
 <p:sld xmlns:a="http://schemas.openxmlformats.org/drawingml/2006/main" xmlns:r="http://schemas.openxmlformats.org/officeDocument/2006/relationships" xmlns:p="http://schemas.openxmlformats.org/presentationml/2006/main">
   <p:cSld>
     <p:bg>
@@ -17121,556 +18457,6 @@
     <p:extLst>
       <p:ext uri="{BB962C8B-B14F-4D97-AF65-F5344CB8AC3E}">
         <p14:creationId xmlns:p14="http://schemas.microsoft.com/office/powerpoint/2010/main" val="1409959153"/>
-      </p:ext>
-    </p:extLst>
-  </p:cSld>
-  <p:clrMapOvr>
-    <a:masterClrMapping/>
-  </p:clrMapOvr>
-</p:sld>
-</file>
-
-<file path=ppt/slides/slide8.xml><?xml version="1.0" encoding="utf-8"?>
-<p:sld xmlns:a="http://schemas.openxmlformats.org/drawingml/2006/main" xmlns:r="http://schemas.openxmlformats.org/officeDocument/2006/relationships" xmlns:p="http://schemas.openxmlformats.org/presentationml/2006/main">
-  <p:cSld>
-    <p:bg>
-      <p:bgPr>
-        <a:blipFill rotWithShape="1">
-          <a:blip r:embed="rId2">
-            <a:duotone>
-              <a:schemeClr val="bg2">
-                <a:shade val="28000"/>
-                <a:satMod val="94000"/>
-                <a:lumMod val="20000"/>
-              </a:schemeClr>
-              <a:schemeClr val="bg2">
-                <a:tint val="94000"/>
-                <a:shade val="84000"/>
-                <a:satMod val="148000"/>
-                <a:lumMod val="114000"/>
-              </a:schemeClr>
-            </a:duotone>
-          </a:blip>
-          <a:stretch/>
-        </a:blipFill>
-        <a:effectLst/>
-      </p:bgPr>
-    </p:bg>
-    <p:spTree>
-      <p:nvGrpSpPr>
-        <p:cNvPr id="1" name=""/>
-        <p:cNvGrpSpPr/>
-        <p:nvPr/>
-      </p:nvGrpSpPr>
-      <p:grpSpPr>
-        <a:xfrm>
-          <a:off x="0" y="0"/>
-          <a:ext cx="0" cy="0"/>
-          <a:chOff x="0" y="0"/>
-          <a:chExt cx="0" cy="0"/>
-        </a:xfrm>
-      </p:grpSpPr>
-      <p:pic>
-        <p:nvPicPr>
-          <p:cNvPr id="5" name="Picture 4" descr="Small, medium, and large light bulbs on top of boxes">
-            <a:extLst>
-              <a:ext uri="{FF2B5EF4-FFF2-40B4-BE49-F238E27FC236}">
-                <a16:creationId xmlns:a16="http://schemas.microsoft.com/office/drawing/2014/main" id="{7787AE0E-B55C-29C2-C76B-E08F5F0280D7}"/>
-              </a:ext>
-            </a:extLst>
-          </p:cNvPr>
-          <p:cNvPicPr>
-            <a:picLocks noChangeAspect="1"/>
-          </p:cNvPicPr>
-          <p:nvPr/>
-        </p:nvPicPr>
-        <p:blipFill rotWithShape="1">
-          <a:blip r:embed="rId3"/>
-          <a:srcRect l="28666" r="37594"/>
-          <a:stretch/>
-        </p:blipFill>
-        <p:spPr>
-          <a:xfrm>
-            <a:off x="257590" y="10"/>
-            <a:ext cx="3479523" cy="6857990"/>
-          </a:xfrm>
-          <a:prstGeom prst="rect">
-            <a:avLst/>
-          </a:prstGeom>
-          <a:ln w="38100">
-            <a:gradFill flip="none" rotWithShape="1">
-              <a:gsLst>
-                <a:gs pos="0">
-                  <a:schemeClr val="bg2"/>
-                </a:gs>
-                <a:gs pos="100000">
-                  <a:schemeClr val="bg2">
-                    <a:lumMod val="75000"/>
-                  </a:schemeClr>
-                </a:gs>
-              </a:gsLst>
-              <a:lin ang="5400000" scaled="0"/>
-              <a:tileRect/>
-            </a:gradFill>
-          </a:ln>
-          <a:effectLst>
-            <a:innerShdw blurRad="57150" dist="38100" dir="10800000">
-              <a:srgbClr val="000000">
-                <a:alpha val="70000"/>
-              </a:srgbClr>
-            </a:innerShdw>
-          </a:effectLst>
-        </p:spPr>
-      </p:pic>
-      <p:sp>
-        <p:nvSpPr>
-          <p:cNvPr id="3" name="Content Placeholder 2">
-            <a:extLst>
-              <a:ext uri="{FF2B5EF4-FFF2-40B4-BE49-F238E27FC236}">
-                <a16:creationId xmlns:a16="http://schemas.microsoft.com/office/drawing/2014/main" id="{3FB8DA0D-4471-5CBE-32D0-BDC2C03B6E7A}"/>
-              </a:ext>
-            </a:extLst>
-          </p:cNvPr>
-          <p:cNvSpPr>
-            <a:spLocks noGrp="1"/>
-          </p:cNvSpPr>
-          <p:nvPr>
-            <p:ph idx="1"/>
-          </p:nvPr>
-        </p:nvSpPr>
-        <p:spPr>
-          <a:xfrm>
-            <a:off x="4303643" y="2666999"/>
-            <a:ext cx="7046844" cy="3415749"/>
-          </a:xfrm>
-        </p:spPr>
-        <p:txBody>
-          <a:bodyPr>
-            <a:normAutofit/>
-          </a:bodyPr>
-          <a:lstStyle/>
-          <a:p>
-            <a:pPr marL="0" indent="0">
-              <a:buNone/>
-            </a:pPr>
-            <a:r>
-              <a:rPr lang="en-GB" sz="2800" dirty="0"/>
-              <a:t>Depending on your ideas we can add more triggers and interactions.</a:t>
-            </a:r>
-          </a:p>
-        </p:txBody>
-      </p:sp>
-    </p:spTree>
-    <p:extLst>
-      <p:ext uri="{BB962C8B-B14F-4D97-AF65-F5344CB8AC3E}">
-        <p14:creationId xmlns:p14="http://schemas.microsoft.com/office/powerpoint/2010/main" val="3434716482"/>
-      </p:ext>
-    </p:extLst>
-  </p:cSld>
-  <p:clrMapOvr>
-    <a:masterClrMapping/>
-  </p:clrMapOvr>
-</p:sld>
-</file>
-
-<file path=ppt/slides/slide9.xml><?xml version="1.0" encoding="utf-8"?>
-<p:sld xmlns:a="http://schemas.openxmlformats.org/drawingml/2006/main" xmlns:r="http://schemas.openxmlformats.org/officeDocument/2006/relationships" xmlns:p="http://schemas.openxmlformats.org/presentationml/2006/main">
-  <p:cSld>
-    <p:bg>
-      <p:bgPr>
-        <a:blipFill rotWithShape="1">
-          <a:blip r:embed="rId2">
-            <a:duotone>
-              <a:schemeClr val="bg2">
-                <a:shade val="28000"/>
-                <a:satMod val="94000"/>
-                <a:lumMod val="20000"/>
-              </a:schemeClr>
-              <a:schemeClr val="bg2">
-                <a:tint val="94000"/>
-                <a:shade val="84000"/>
-                <a:satMod val="148000"/>
-                <a:lumMod val="114000"/>
-              </a:schemeClr>
-            </a:duotone>
-          </a:blip>
-          <a:stretch/>
-        </a:blipFill>
-        <a:effectLst/>
-      </p:bgPr>
-    </p:bg>
-    <p:spTree>
-      <p:nvGrpSpPr>
-        <p:cNvPr id="1" name=""/>
-        <p:cNvGrpSpPr/>
-        <p:nvPr/>
-      </p:nvGrpSpPr>
-      <p:grpSpPr>
-        <a:xfrm>
-          <a:off x="0" y="0"/>
-          <a:ext cx="0" cy="0"/>
-          <a:chOff x="0" y="0"/>
-          <a:chExt cx="0" cy="0"/>
-        </a:xfrm>
-      </p:grpSpPr>
-      <p:sp>
-        <p:nvSpPr>
-          <p:cNvPr id="2" name="Title 1">
-            <a:extLst>
-              <a:ext uri="{FF2B5EF4-FFF2-40B4-BE49-F238E27FC236}">
-                <a16:creationId xmlns:a16="http://schemas.microsoft.com/office/drawing/2014/main" id="{74E4AC20-80E5-6CD2-ADCE-EDF46093B469}"/>
-              </a:ext>
-            </a:extLst>
-          </p:cNvPr>
-          <p:cNvSpPr>
-            <a:spLocks noGrp="1"/>
-          </p:cNvSpPr>
-          <p:nvPr>
-            <p:ph type="title"/>
-          </p:nvPr>
-        </p:nvSpPr>
-        <p:spPr>
-          <a:xfrm>
-            <a:off x="974179" y="714375"/>
-            <a:ext cx="3332955" cy="5076826"/>
-          </a:xfrm>
-        </p:spPr>
-        <p:txBody>
-          <a:bodyPr anchor="ctr">
-            <a:normAutofit/>
-          </a:bodyPr>
-          <a:lstStyle/>
-          <a:p>
-            <a:r>
-              <a:rPr lang="en-GB" sz="4000" dirty="0"/>
-              <a:t>Zig sim I</a:t>
-            </a:r>
-          </a:p>
-        </p:txBody>
-      </p:sp>
-      <p:sp>
-        <p:nvSpPr>
-          <p:cNvPr id="8" name="Rectangle 7">
-            <a:extLst>
-              <a:ext uri="{FF2B5EF4-FFF2-40B4-BE49-F238E27FC236}">
-                <a16:creationId xmlns:a16="http://schemas.microsoft.com/office/drawing/2014/main" id="{375136A9-49F9-4DA0-A741-F065B0FA091D}"/>
-              </a:ext>
-              <a:ext uri="{C183D7F6-B498-43B3-948B-1728B52AA6E4}">
-                <adec:decorative xmlns:adec="http://schemas.microsoft.com/office/drawing/2017/decorative" val="1"/>
-              </a:ext>
-            </a:extLst>
-          </p:cNvPr>
-          <p:cNvSpPr>
-            <a:spLocks noGrp="1" noRot="1" noChangeAspect="1" noMove="1" noResize="1" noEditPoints="1" noAdjustHandles="1" noChangeArrowheads="1" noChangeShapeType="1" noTextEdit="1"/>
-          </p:cNvSpPr>
-          <p:nvPr>
-            <p:extLst>
-              <p:ext uri="{386F3935-93C4-4BCD-93E2-E3B085C9AB24}">
-                <p16:designElem xmlns:p16="http://schemas.microsoft.com/office/powerpoint/2015/main" val="1"/>
-              </p:ext>
-            </p:extLst>
-          </p:nvPr>
-        </p:nvSpPr>
-        <p:spPr>
-          <a:xfrm>
-            <a:off x="4633356" y="0"/>
-            <a:ext cx="7558643" cy="6858000"/>
-          </a:xfrm>
-          <a:prstGeom prst="rect">
-            <a:avLst/>
-          </a:prstGeom>
-          <a:solidFill>
-            <a:schemeClr val="bg2"/>
-          </a:solidFill>
-          <a:ln>
-            <a:noFill/>
-          </a:ln>
-          <a:effectLst>
-            <a:innerShdw blurRad="63500" dist="50800" dir="10800000">
-              <a:prstClr val="black">
-                <a:alpha val="50000"/>
-              </a:prstClr>
-            </a:innerShdw>
-          </a:effectLst>
-        </p:spPr>
-        <p:style>
-          <a:lnRef idx="2">
-            <a:schemeClr val="accent1">
-              <a:shade val="50000"/>
-            </a:schemeClr>
-          </a:lnRef>
-          <a:fillRef idx="1">
-            <a:schemeClr val="accent1"/>
-          </a:fillRef>
-          <a:effectRef idx="0">
-            <a:schemeClr val="accent1"/>
-          </a:effectRef>
-          <a:fontRef idx="minor">
-            <a:schemeClr val="lt1"/>
-          </a:fontRef>
-        </p:style>
-        <p:txBody>
-          <a:bodyPr rtlCol="0" anchor="ctr"/>
-          <a:lstStyle/>
-          <a:p>
-            <a:pPr algn="ctr"/>
-            <a:endParaRPr lang="en-US" dirty="0"/>
-          </a:p>
-        </p:txBody>
-      </p:sp>
-      <p:sp>
-        <p:nvSpPr>
-          <p:cNvPr id="10" name="Rectangle 9">
-            <a:extLst>
-              <a:ext uri="{FF2B5EF4-FFF2-40B4-BE49-F238E27FC236}">
-                <a16:creationId xmlns:a16="http://schemas.microsoft.com/office/drawing/2014/main" id="{B912F6C7-0423-4B6F-AECE-710C848918FD}"/>
-              </a:ext>
-              <a:ext uri="{C183D7F6-B498-43B3-948B-1728B52AA6E4}">
-                <adec:decorative xmlns:adec="http://schemas.microsoft.com/office/drawing/2017/decorative" val="1"/>
-              </a:ext>
-            </a:extLst>
-          </p:cNvPr>
-          <p:cNvSpPr>
-            <a:spLocks noGrp="1" noRot="1" noChangeAspect="1" noMove="1" noResize="1" noEditPoints="1" noAdjustHandles="1" noChangeArrowheads="1" noChangeShapeType="1" noTextEdit="1"/>
-          </p:cNvSpPr>
-          <p:nvPr>
-            <p:extLst>
-              <p:ext uri="{386F3935-93C4-4BCD-93E2-E3B085C9AB24}">
-                <p16:designElem xmlns:p16="http://schemas.microsoft.com/office/powerpoint/2015/main" val="1"/>
-              </p:ext>
-            </p:extLst>
-          </p:nvPr>
-        </p:nvSpPr>
-        <p:spPr>
-          <a:xfrm rot="5400000" flipH="1">
-            <a:off x="1446539" y="3195797"/>
-            <a:ext cx="6858000" cy="466406"/>
-          </a:xfrm>
-          <a:prstGeom prst="rect">
-            <a:avLst/>
-          </a:prstGeom>
-          <a:gradFill>
-            <a:gsLst>
-              <a:gs pos="0">
-                <a:srgbClr val="363D46">
-                  <a:alpha val="0"/>
-                </a:srgbClr>
-              </a:gs>
-              <a:gs pos="100000">
-                <a:srgbClr val="363D46">
-                  <a:lumMod val="75000"/>
-                </a:srgbClr>
-              </a:gs>
-            </a:gsLst>
-            <a:lin ang="5400000" scaled="0"/>
-          </a:gradFill>
-          <a:ln>
-            <a:noFill/>
-          </a:ln>
-          <a:effectLst/>
-        </p:spPr>
-        <p:style>
-          <a:lnRef idx="2">
-            <a:schemeClr val="accent1">
-              <a:shade val="50000"/>
-            </a:schemeClr>
-          </a:lnRef>
-          <a:fillRef idx="1">
-            <a:schemeClr val="accent1"/>
-          </a:fillRef>
-          <a:effectRef idx="0">
-            <a:schemeClr val="accent1"/>
-          </a:effectRef>
-          <a:fontRef idx="minor">
-            <a:schemeClr val="lt1"/>
-          </a:fontRef>
-        </p:style>
-        <p:txBody>
-          <a:bodyPr rot="0" spcFirstLastPara="0" vertOverflow="overflow" horzOverflow="overflow" vert="horz" wrap="square" lIns="91440" tIns="45720" rIns="91440" bIns="45720" numCol="1" spcCol="0" rtlCol="0" fromWordArt="0" anchor="ctr" anchorCtr="0" forceAA="0" compatLnSpc="1">
-            <a:prstTxWarp prst="textNoShape">
-              <a:avLst/>
-            </a:prstTxWarp>
-            <a:noAutofit/>
-          </a:bodyPr>
-          <a:lstStyle/>
-          <a:p>
-            <a:pPr algn="ctr"/>
-            <a:endParaRPr lang="en-US"/>
-          </a:p>
-        </p:txBody>
-      </p:sp>
-      <p:cxnSp>
-        <p:nvCxnSpPr>
-          <p:cNvPr id="12" name="Straight Connector 11">
-            <a:extLst>
-              <a:ext uri="{FF2B5EF4-FFF2-40B4-BE49-F238E27FC236}">
-                <a16:creationId xmlns:a16="http://schemas.microsoft.com/office/drawing/2014/main" id="{A7208205-03EE-4EC8-9C34-59270C1880D8}"/>
-              </a:ext>
-              <a:ext uri="{C183D7F6-B498-43B3-948B-1728B52AA6E4}">
-                <adec:decorative xmlns:adec="http://schemas.microsoft.com/office/drawing/2017/decorative" val="1"/>
-              </a:ext>
-            </a:extLst>
-          </p:cNvPr>
-          <p:cNvCxnSpPr>
-            <a:cxnSpLocks noGrp="1" noRot="1" noChangeAspect="1" noMove="1" noResize="1" noEditPoints="1" noAdjustHandles="1" noChangeArrowheads="1" noChangeShapeType="1"/>
-          </p:cNvCxnSpPr>
-          <p:nvPr>
-            <p:extLst>
-              <p:ext uri="{386F3935-93C4-4BCD-93E2-E3B085C9AB24}">
-                <p16:designElem xmlns:p16="http://schemas.microsoft.com/office/powerpoint/2015/main" val="1"/>
-              </p:ext>
-            </p:extLst>
-          </p:nvPr>
-        </p:nvCxnSpPr>
-        <p:spPr>
-          <a:xfrm>
-            <a:off x="4642336" y="0"/>
-            <a:ext cx="0" cy="6858000"/>
-          </a:xfrm>
-          <a:prstGeom prst="line">
-            <a:avLst/>
-          </a:prstGeom>
-          <a:solidFill>
-            <a:srgbClr val="FFFFFF"/>
-          </a:solidFill>
-          <a:ln w="38100" cap="flat">
-            <a:gradFill flip="none" rotWithShape="1">
-              <a:gsLst>
-                <a:gs pos="0">
-                  <a:srgbClr val="363D46"/>
-                </a:gs>
-                <a:gs pos="100000">
-                  <a:srgbClr val="363D46">
-                    <a:lumMod val="75000"/>
-                  </a:srgbClr>
-                </a:gs>
-              </a:gsLst>
-              <a:lin ang="5400000" scaled="0"/>
-              <a:tileRect/>
-            </a:gradFill>
-            <a:miter lim="800000"/>
-          </a:ln>
-          <a:effectLst>
-            <a:innerShdw blurRad="57150" dist="38100" dir="14460000">
-              <a:srgbClr val="000000">
-                <a:alpha val="70000"/>
-              </a:srgbClr>
-            </a:innerShdw>
-          </a:effectLst>
-        </p:spPr>
-        <p:style>
-          <a:lnRef idx="2">
-            <a:schemeClr val="accent1">
-              <a:shade val="50000"/>
-            </a:schemeClr>
-          </a:lnRef>
-          <a:fillRef idx="1">
-            <a:schemeClr val="accent1"/>
-          </a:fillRef>
-          <a:effectRef idx="0">
-            <a:schemeClr val="accent1"/>
-          </a:effectRef>
-          <a:fontRef idx="minor">
-            <a:schemeClr val="lt1"/>
-          </a:fontRef>
-        </p:style>
-      </p:cxnSp>
-      <p:sp>
-        <p:nvSpPr>
-          <p:cNvPr id="3" name="Content Placeholder 2">
-            <a:extLst>
-              <a:ext uri="{FF2B5EF4-FFF2-40B4-BE49-F238E27FC236}">
-                <a16:creationId xmlns:a16="http://schemas.microsoft.com/office/drawing/2014/main" id="{823FB324-7F23-5EAB-A446-E9AB7593A57A}"/>
-              </a:ext>
-            </a:extLst>
-          </p:cNvPr>
-          <p:cNvSpPr>
-            <a:spLocks noGrp="1"/>
-          </p:cNvSpPr>
-          <p:nvPr>
-            <p:ph idx="1"/>
-          </p:nvPr>
-        </p:nvSpPr>
-        <p:spPr>
-          <a:xfrm>
-            <a:off x="4973046" y="714375"/>
-            <a:ext cx="6253751" cy="5076825"/>
-          </a:xfrm>
-        </p:spPr>
-        <p:txBody>
-          <a:bodyPr>
-            <a:normAutofit/>
-          </a:bodyPr>
-          <a:lstStyle/>
-          <a:p>
-            <a:r>
-              <a:rPr lang="en-GB">
-                <a:solidFill>
-                  <a:schemeClr val="tx1"/>
-                </a:solidFill>
-              </a:rPr>
-              <a:t>Free version</a:t>
-            </a:r>
-          </a:p>
-          <a:p>
-            <a:pPr lvl="1"/>
-            <a:r>
-              <a:rPr lang="en-GB">
-                <a:solidFill>
-                  <a:schemeClr val="tx1"/>
-                </a:solidFill>
-              </a:rPr>
-              <a:t>Good for interactions where you attach the device to the user</a:t>
-            </a:r>
-          </a:p>
-          <a:p>
-            <a:r>
-              <a:rPr lang="en-GB">
-                <a:solidFill>
-                  <a:schemeClr val="tx1"/>
-                </a:solidFill>
-              </a:rPr>
-              <a:t>Pro Version</a:t>
-            </a:r>
-          </a:p>
-          <a:p>
-            <a:pPr lvl="1"/>
-            <a:r>
-              <a:rPr lang="en-GB">
-                <a:solidFill>
-                  <a:schemeClr val="tx1"/>
-                </a:solidFill>
-              </a:rPr>
-              <a:t>Facial recognition</a:t>
-            </a:r>
-          </a:p>
-          <a:p>
-            <a:pPr lvl="1"/>
-            <a:r>
-              <a:rPr lang="en-GB">
-                <a:solidFill>
-                  <a:schemeClr val="tx1"/>
-                </a:solidFill>
-              </a:rPr>
-              <a:t>Depth Camera</a:t>
-            </a:r>
-          </a:p>
-          <a:p>
-            <a:r>
-              <a:rPr lang="en-GB">
-                <a:solidFill>
-                  <a:schemeClr val="tx1"/>
-                </a:solidFill>
-              </a:rPr>
-              <a:t>Not very stable for body tracking</a:t>
-            </a:r>
-          </a:p>
-        </p:txBody>
-      </p:sp>
-    </p:spTree>
-    <p:extLst>
-      <p:ext uri="{BB962C8B-B14F-4D97-AF65-F5344CB8AC3E}">
-        <p14:creationId xmlns:p14="http://schemas.microsoft.com/office/powerpoint/2010/main" val="262510030"/>
       </p:ext>
     </p:extLst>
   </p:cSld>
